--- a/TP/Evolap/TP_ChS_Evolap_Synthese.pptx
+++ b/TP/Evolap/TP_ChS_Evolap_Synthese.pptx
@@ -6,7 +6,6 @@
   </p:sldMasterIdLst>
   <p:sldIdLst>
     <p:sldId id="256" r:id="rId2"/>
-    <p:sldId id="257" r:id="rId3"/>
   </p:sldIdLst>
   <p:sldSz cx="9906000" cy="6858000" type="A4"/>
   <p:notesSz cx="6858000" cy="9144000"/>
@@ -305,7 +304,7 @@
           <a:p>
             <a:fld id="{AA309A6D-C09C-4548-B29A-6CF363A7E532}" type="datetimeFigureOut">
               <a:rPr lang="fr-FR" smtClean="0"/>
-              <a:t>13/02/2019</a:t>
+              <a:t>15/02/2019</a:t>
             </a:fld>
             <a:endParaRPr lang="fr-BE"/>
           </a:p>
@@ -470,7 +469,7 @@
           <a:p>
             <a:fld id="{AA309A6D-C09C-4548-B29A-6CF363A7E532}" type="datetimeFigureOut">
               <a:rPr lang="fr-FR" smtClean="0"/>
-              <a:t>13/02/2019</a:t>
+              <a:t>15/02/2019</a:t>
             </a:fld>
             <a:endParaRPr lang="fr-BE"/>
           </a:p>
@@ -645,7 +644,7 @@
           <a:p>
             <a:fld id="{AA309A6D-C09C-4548-B29A-6CF363A7E532}" type="datetimeFigureOut">
               <a:rPr lang="fr-FR" smtClean="0"/>
-              <a:t>13/02/2019</a:t>
+              <a:t>15/02/2019</a:t>
             </a:fld>
             <a:endParaRPr lang="fr-BE"/>
           </a:p>
@@ -810,7 +809,7 @@
           <a:p>
             <a:fld id="{AA309A6D-C09C-4548-B29A-6CF363A7E532}" type="datetimeFigureOut">
               <a:rPr lang="fr-FR" smtClean="0"/>
-              <a:t>13/02/2019</a:t>
+              <a:t>15/02/2019</a:t>
             </a:fld>
             <a:endParaRPr lang="fr-BE"/>
           </a:p>
@@ -1051,7 +1050,7 @@
           <a:p>
             <a:fld id="{AA309A6D-C09C-4548-B29A-6CF363A7E532}" type="datetimeFigureOut">
               <a:rPr lang="fr-FR" smtClean="0"/>
-              <a:t>13/02/2019</a:t>
+              <a:t>15/02/2019</a:t>
             </a:fld>
             <a:endParaRPr lang="fr-BE"/>
           </a:p>
@@ -1334,7 +1333,7 @@
           <a:p>
             <a:fld id="{AA309A6D-C09C-4548-B29A-6CF363A7E532}" type="datetimeFigureOut">
               <a:rPr lang="fr-FR" smtClean="0"/>
-              <a:t>13/02/2019</a:t>
+              <a:t>15/02/2019</a:t>
             </a:fld>
             <a:endParaRPr lang="fr-BE"/>
           </a:p>
@@ -1751,7 +1750,7 @@
           <a:p>
             <a:fld id="{AA309A6D-C09C-4548-B29A-6CF363A7E532}" type="datetimeFigureOut">
               <a:rPr lang="fr-FR" smtClean="0"/>
-              <a:t>13/02/2019</a:t>
+              <a:t>15/02/2019</a:t>
             </a:fld>
             <a:endParaRPr lang="fr-BE"/>
           </a:p>
@@ -1864,7 +1863,7 @@
           <a:p>
             <a:fld id="{AA309A6D-C09C-4548-B29A-6CF363A7E532}" type="datetimeFigureOut">
               <a:rPr lang="fr-FR" smtClean="0"/>
-              <a:t>13/02/2019</a:t>
+              <a:t>15/02/2019</a:t>
             </a:fld>
             <a:endParaRPr lang="fr-BE"/>
           </a:p>
@@ -1954,7 +1953,7 @@
           <a:p>
             <a:fld id="{AA309A6D-C09C-4548-B29A-6CF363A7E532}" type="datetimeFigureOut">
               <a:rPr lang="fr-FR" smtClean="0"/>
-              <a:t>13/02/2019</a:t>
+              <a:t>15/02/2019</a:t>
             </a:fld>
             <a:endParaRPr lang="fr-BE"/>
           </a:p>
@@ -2226,7 +2225,7 @@
           <a:p>
             <a:fld id="{AA309A6D-C09C-4548-B29A-6CF363A7E532}" type="datetimeFigureOut">
               <a:rPr lang="fr-FR" smtClean="0"/>
-              <a:t>13/02/2019</a:t>
+              <a:t>15/02/2019</a:t>
             </a:fld>
             <a:endParaRPr lang="fr-BE"/>
           </a:p>
@@ -2474,7 +2473,7 @@
           <a:p>
             <a:fld id="{AA309A6D-C09C-4548-B29A-6CF363A7E532}" type="datetimeFigureOut">
               <a:rPr lang="fr-FR" smtClean="0"/>
-              <a:t>13/02/2019</a:t>
+              <a:t>15/02/2019</a:t>
             </a:fld>
             <a:endParaRPr lang="fr-BE"/>
           </a:p>
@@ -2682,7 +2681,7 @@
           <a:p>
             <a:fld id="{AA309A6D-C09C-4548-B29A-6CF363A7E532}" type="datetimeFigureOut">
               <a:rPr lang="fr-FR" smtClean="0"/>
-              <a:t>13/02/2019</a:t>
+              <a:t>15/02/2019</a:t>
             </a:fld>
             <a:endParaRPr lang="fr-BE"/>
           </a:p>
@@ -5003,1761 +5002,6 @@
 </p:sld>
 </file>
 
-<file path=ppt/slides/slide2.xml><?xml version="1.0" encoding="utf-8"?>
-<p:sld xmlns:a="http://schemas.openxmlformats.org/drawingml/2006/main" xmlns:r="http://schemas.openxmlformats.org/officeDocument/2006/relationships" xmlns:p="http://schemas.openxmlformats.org/presentationml/2006/main">
-  <p:cSld>
-    <p:spTree>
-      <p:nvGrpSpPr>
-        <p:cNvPr id="1" name=""/>
-        <p:cNvGrpSpPr/>
-        <p:nvPr/>
-      </p:nvGrpSpPr>
-      <p:grpSpPr>
-        <a:xfrm>
-          <a:off x="0" y="0"/>
-          <a:ext cx="0" cy="0"/>
-          <a:chOff x="0" y="0"/>
-          <a:chExt cx="0" cy="0"/>
-        </a:xfrm>
-      </p:grpSpPr>
-      <p:cxnSp>
-        <p:nvCxnSpPr>
-          <p:cNvPr id="3" name="Connecteur droit 2"/>
-          <p:cNvCxnSpPr/>
-          <p:nvPr/>
-        </p:nvCxnSpPr>
-        <p:spPr>
-          <a:xfrm>
-            <a:off x="0" y="116632"/>
-            <a:ext cx="9906000" cy="0"/>
-          </a:xfrm>
-          <a:prstGeom prst="line">
-            <a:avLst/>
-          </a:prstGeom>
-          <a:ln w="28575">
-            <a:solidFill>
-              <a:schemeClr val="accent5">
-                <a:lumMod val="50000"/>
-              </a:schemeClr>
-            </a:solidFill>
-          </a:ln>
-        </p:spPr>
-        <p:style>
-          <a:lnRef idx="1">
-            <a:schemeClr val="accent1"/>
-          </a:lnRef>
-          <a:fillRef idx="0">
-            <a:schemeClr val="accent1"/>
-          </a:fillRef>
-          <a:effectRef idx="0">
-            <a:schemeClr val="accent1"/>
-          </a:effectRef>
-          <a:fontRef idx="minor">
-            <a:schemeClr val="tx1"/>
-          </a:fontRef>
-        </p:style>
-      </p:cxnSp>
-      <p:cxnSp>
-        <p:nvCxnSpPr>
-          <p:cNvPr id="9" name="Connecteur droit 8"/>
-          <p:cNvCxnSpPr/>
-          <p:nvPr/>
-        </p:nvCxnSpPr>
-        <p:spPr>
-          <a:xfrm>
-            <a:off x="0" y="378242"/>
-            <a:ext cx="9906000" cy="0"/>
-          </a:xfrm>
-          <a:prstGeom prst="line">
-            <a:avLst/>
-          </a:prstGeom>
-          <a:ln w="28575">
-            <a:solidFill>
-              <a:schemeClr val="accent5">
-                <a:lumMod val="50000"/>
-              </a:schemeClr>
-            </a:solidFill>
-          </a:ln>
-        </p:spPr>
-        <p:style>
-          <a:lnRef idx="1">
-            <a:schemeClr val="accent1"/>
-          </a:lnRef>
-          <a:fillRef idx="0">
-            <a:schemeClr val="accent1"/>
-          </a:fillRef>
-          <a:effectRef idx="0">
-            <a:schemeClr val="accent1"/>
-          </a:effectRef>
-          <a:fontRef idx="minor">
-            <a:schemeClr val="tx1"/>
-          </a:fontRef>
-        </p:style>
-      </p:cxnSp>
-      <p:sp>
-        <p:nvSpPr>
-          <p:cNvPr id="5" name="ZoneTexte 4"/>
-          <p:cNvSpPr txBox="1"/>
-          <p:nvPr/>
-        </p:nvSpPr>
-        <p:spPr>
-          <a:xfrm>
-            <a:off x="0" y="116632"/>
-            <a:ext cx="9906000" cy="261610"/>
-          </a:xfrm>
-          <a:prstGeom prst="rect">
-            <a:avLst/>
-          </a:prstGeom>
-          <a:noFill/>
-        </p:spPr>
-        <p:txBody>
-          <a:bodyPr wrap="square" rtlCol="0">
-            <a:spAutoFit/>
-          </a:bodyPr>
-          <a:lstStyle/>
-          <a:p>
-            <a:pPr algn="ctr"/>
-            <a:r>
-              <a:rPr lang="fr-FR" sz="1050" b="1" dirty="0">
-                <a:latin typeface="Tw Cen MT" pitchFamily="34" charset="0"/>
-              </a:rPr>
-              <a:t>Cycle 6 - </a:t>
-            </a:r>
-            <a:r>
-              <a:rPr lang="fr-FR" sz="1050" b="1" cap="small" dirty="0">
-                <a:latin typeface="Tw Cen MT" pitchFamily="34" charset="0"/>
-              </a:rPr>
-              <a:t>Modéliser le comportement des systèmes mécaniques dans le but d'établir une loi de comportement ou de déterminer des actions mécaniques en utilisant le PFD</a:t>
-            </a:r>
-            <a:endParaRPr lang="fr-FR" sz="1050" b="1" dirty="0">
-              <a:latin typeface="Tw Cen MT" pitchFamily="34" charset="0"/>
-            </a:endParaRPr>
-          </a:p>
-        </p:txBody>
-      </p:sp>
-      <p:sp>
-        <p:nvSpPr>
-          <p:cNvPr id="10" name="ZoneTexte 9"/>
-          <p:cNvSpPr txBox="1"/>
-          <p:nvPr/>
-        </p:nvSpPr>
-        <p:spPr>
-          <a:xfrm rot="16200000">
-            <a:off x="-926232" y="1474912"/>
-            <a:ext cx="2160242" cy="307777"/>
-          </a:xfrm>
-          <a:prstGeom prst="rect">
-            <a:avLst/>
-          </a:prstGeom>
-          <a:noFill/>
-        </p:spPr>
-        <p:txBody>
-          <a:bodyPr wrap="square" rtlCol="0">
-            <a:spAutoFit/>
-          </a:bodyPr>
-          <a:lstStyle/>
-          <a:p>
-            <a:pPr algn="ctr"/>
-            <a:r>
-              <a:rPr lang="fr-FR" sz="1400" b="1" dirty="0"/>
-              <a:t>Expérimentation</a:t>
-            </a:r>
-          </a:p>
-        </p:txBody>
-      </p:sp>
-      <p:sp>
-        <p:nvSpPr>
-          <p:cNvPr id="11" name="Rectangle 10"/>
-          <p:cNvSpPr/>
-          <p:nvPr/>
-        </p:nvSpPr>
-        <p:spPr>
-          <a:xfrm>
-            <a:off x="416496" y="548679"/>
-            <a:ext cx="3096344" cy="2160243"/>
-          </a:xfrm>
-          <a:prstGeom prst="rect">
-            <a:avLst/>
-          </a:prstGeom>
-          <a:noFill/>
-          <a:ln w="19050">
-            <a:solidFill>
-              <a:schemeClr val="accent5">
-                <a:lumMod val="50000"/>
-              </a:schemeClr>
-            </a:solidFill>
-            <a:prstDash val="sysDash"/>
-          </a:ln>
-        </p:spPr>
-        <p:style>
-          <a:lnRef idx="2">
-            <a:schemeClr val="accent1">
-              <a:shade val="50000"/>
-            </a:schemeClr>
-          </a:lnRef>
-          <a:fillRef idx="1">
-            <a:schemeClr val="accent1"/>
-          </a:fillRef>
-          <a:effectRef idx="0">
-            <a:schemeClr val="accent1"/>
-          </a:effectRef>
-          <a:fontRef idx="minor">
-            <a:schemeClr val="lt1"/>
-          </a:fontRef>
-        </p:style>
-        <p:txBody>
-          <a:bodyPr rtlCol="0" anchor="ctr"/>
-          <a:lstStyle/>
-          <a:p>
-            <a:pPr algn="ctr"/>
-            <a:endParaRPr lang="fr-FR"/>
-          </a:p>
-        </p:txBody>
-      </p:sp>
-      <p:sp>
-        <p:nvSpPr>
-          <p:cNvPr id="12" name="ZoneTexte 11"/>
-          <p:cNvSpPr txBox="1"/>
-          <p:nvPr/>
-        </p:nvSpPr>
-        <p:spPr>
-          <a:xfrm>
-            <a:off x="416496" y="2462701"/>
-            <a:ext cx="3092638" cy="246221"/>
-          </a:xfrm>
-          <a:prstGeom prst="rect">
-            <a:avLst/>
-          </a:prstGeom>
-          <a:noFill/>
-        </p:spPr>
-        <p:txBody>
-          <a:bodyPr wrap="square" rtlCol="0">
-            <a:spAutoFit/>
-          </a:bodyPr>
-          <a:lstStyle/>
-          <a:p>
-            <a:pPr algn="ctr"/>
-            <a:r>
-              <a:rPr lang="fr-FR" sz="1000" i="1" dirty="0"/>
-              <a:t>Modélisation associée à l’expérimentation</a:t>
-            </a:r>
-          </a:p>
-        </p:txBody>
-      </p:sp>
-      <p:sp>
-        <p:nvSpPr>
-          <p:cNvPr id="13" name="Rectangle 12"/>
-          <p:cNvSpPr/>
-          <p:nvPr/>
-        </p:nvSpPr>
-        <p:spPr>
-          <a:xfrm>
-            <a:off x="3944888" y="548679"/>
-            <a:ext cx="2880320" cy="2160243"/>
-          </a:xfrm>
-          <a:prstGeom prst="rect">
-            <a:avLst/>
-          </a:prstGeom>
-          <a:noFill/>
-          <a:ln w="19050">
-            <a:solidFill>
-              <a:schemeClr val="accent5">
-                <a:lumMod val="50000"/>
-              </a:schemeClr>
-            </a:solidFill>
-            <a:prstDash val="sysDash"/>
-          </a:ln>
-        </p:spPr>
-        <p:style>
-          <a:lnRef idx="2">
-            <a:schemeClr val="accent1">
-              <a:shade val="50000"/>
-            </a:schemeClr>
-          </a:lnRef>
-          <a:fillRef idx="1">
-            <a:schemeClr val="accent1"/>
-          </a:fillRef>
-          <a:effectRef idx="0">
-            <a:schemeClr val="accent1"/>
-          </a:effectRef>
-          <a:fontRef idx="minor">
-            <a:schemeClr val="lt1"/>
-          </a:fontRef>
-        </p:style>
-        <p:txBody>
-          <a:bodyPr rtlCol="0" anchor="ctr"/>
-          <a:lstStyle/>
-          <a:p>
-            <a:pPr algn="ctr"/>
-            <a:endParaRPr lang="fr-FR"/>
-          </a:p>
-        </p:txBody>
-      </p:sp>
-      <p:cxnSp>
-        <p:nvCxnSpPr>
-          <p:cNvPr id="15" name="Connecteur droit avec flèche 14"/>
-          <p:cNvCxnSpPr/>
-          <p:nvPr/>
-        </p:nvCxnSpPr>
-        <p:spPr>
-          <a:xfrm flipV="1">
-            <a:off x="4160912" y="692696"/>
-            <a:ext cx="0" cy="1512168"/>
-          </a:xfrm>
-          <a:prstGeom prst="straightConnector1">
-            <a:avLst/>
-          </a:prstGeom>
-          <a:ln w="12700">
-            <a:solidFill>
-              <a:schemeClr val="accent5">
-                <a:lumMod val="50000"/>
-              </a:schemeClr>
-            </a:solidFill>
-            <a:tailEnd type="stealth" w="med" len="lg"/>
-          </a:ln>
-        </p:spPr>
-        <p:style>
-          <a:lnRef idx="1">
-            <a:schemeClr val="accent1"/>
-          </a:lnRef>
-          <a:fillRef idx="0">
-            <a:schemeClr val="accent1"/>
-          </a:fillRef>
-          <a:effectRef idx="0">
-            <a:schemeClr val="accent1"/>
-          </a:effectRef>
-          <a:fontRef idx="minor">
-            <a:schemeClr val="tx1"/>
-          </a:fontRef>
-        </p:style>
-      </p:cxnSp>
-      <p:cxnSp>
-        <p:nvCxnSpPr>
-          <p:cNvPr id="16" name="Connecteur droit avec flèche 15"/>
-          <p:cNvCxnSpPr/>
-          <p:nvPr/>
-        </p:nvCxnSpPr>
-        <p:spPr>
-          <a:xfrm>
-            <a:off x="4016896" y="1484784"/>
-            <a:ext cx="2376264" cy="0"/>
-          </a:xfrm>
-          <a:prstGeom prst="straightConnector1">
-            <a:avLst/>
-          </a:prstGeom>
-          <a:ln w="12700">
-            <a:solidFill>
-              <a:schemeClr val="accent5">
-                <a:lumMod val="50000"/>
-              </a:schemeClr>
-            </a:solidFill>
-            <a:tailEnd type="stealth" w="med" len="lg"/>
-          </a:ln>
-        </p:spPr>
-        <p:style>
-          <a:lnRef idx="1">
-            <a:schemeClr val="accent1"/>
-          </a:lnRef>
-          <a:fillRef idx="0">
-            <a:schemeClr val="accent1"/>
-          </a:fillRef>
-          <a:effectRef idx="0">
-            <a:schemeClr val="accent1"/>
-          </a:effectRef>
-          <a:fontRef idx="minor">
-            <a:schemeClr val="tx1"/>
-          </a:fontRef>
-        </p:style>
-      </p:cxnSp>
-      <p:sp>
-        <p:nvSpPr>
-          <p:cNvPr id="19" name="ZoneTexte 18"/>
-          <p:cNvSpPr txBox="1"/>
-          <p:nvPr/>
-        </p:nvSpPr>
-        <p:spPr>
-          <a:xfrm>
-            <a:off x="3944888" y="569585"/>
-            <a:ext cx="2880320" cy="246221"/>
-          </a:xfrm>
-          <a:prstGeom prst="rect">
-            <a:avLst/>
-          </a:prstGeom>
-          <a:noFill/>
-        </p:spPr>
-        <p:txBody>
-          <a:bodyPr wrap="square" rtlCol="0">
-            <a:spAutoFit/>
-          </a:bodyPr>
-          <a:lstStyle/>
-          <a:p>
-            <a:pPr algn="ctr"/>
-            <a:r>
-              <a:rPr lang="fr-FR" sz="1000" i="1" dirty="0"/>
-              <a:t>Résultat de l’expérimentation</a:t>
-            </a:r>
-          </a:p>
-        </p:txBody>
-      </p:sp>
-      <p:sp>
-        <p:nvSpPr>
-          <p:cNvPr id="20" name="ZoneTexte 19"/>
-          <p:cNvSpPr txBox="1"/>
-          <p:nvPr/>
-        </p:nvSpPr>
-        <p:spPr>
-          <a:xfrm>
-            <a:off x="3940797" y="2357640"/>
-            <a:ext cx="2880320" cy="369332"/>
-          </a:xfrm>
-          <a:prstGeom prst="rect">
-            <a:avLst/>
-          </a:prstGeom>
-          <a:noFill/>
-        </p:spPr>
-        <p:txBody>
-          <a:bodyPr wrap="square" rtlCol="0">
-            <a:spAutoFit/>
-          </a:bodyPr>
-          <a:lstStyle/>
-          <a:p>
-            <a:pPr algn="ctr"/>
-            <a:r>
-              <a:rPr lang="fr-FR" sz="900" i="1" dirty="0" err="1"/>
-              <a:t>Tp</a:t>
-            </a:r>
-            <a:r>
-              <a:rPr lang="fr-FR" sz="900" i="1" dirty="0"/>
-              <a:t> = 0,2 (2s pour 10 oscillations) k = 0,43.10</a:t>
-            </a:r>
-            <a:r>
-              <a:rPr lang="fr-FR" sz="900" i="1" baseline="30000" dirty="0"/>
-              <a:t>3</a:t>
-            </a:r>
-            <a:r>
-              <a:rPr lang="fr-FR" sz="900" i="1" dirty="0"/>
-              <a:t>N/m </a:t>
-            </a:r>
-          </a:p>
-          <a:p>
-            <a:pPr algn="ctr"/>
-            <a:r>
-              <a:rPr lang="fr-FR" sz="900" i="1" dirty="0"/>
-              <a:t>J = 9,4 10</a:t>
-            </a:r>
-            <a:r>
-              <a:rPr lang="fr-FR" sz="900" i="1" baseline="30000" dirty="0"/>
-              <a:t>-3</a:t>
-            </a:r>
-            <a:r>
-              <a:rPr lang="fr-FR" sz="900" i="1" dirty="0"/>
-              <a:t> kg.m²</a:t>
-            </a:r>
-          </a:p>
-        </p:txBody>
-      </p:sp>
-      <p:grpSp>
-        <p:nvGrpSpPr>
-          <p:cNvPr id="28" name="Groupe 27"/>
-          <p:cNvGrpSpPr/>
-          <p:nvPr/>
-        </p:nvGrpSpPr>
-        <p:grpSpPr>
-          <a:xfrm>
-            <a:off x="7113240" y="548679"/>
-            <a:ext cx="432048" cy="2160243"/>
-            <a:chOff x="7113240" y="548679"/>
-            <a:chExt cx="432048" cy="2160243"/>
-          </a:xfrm>
-        </p:grpSpPr>
-        <p:sp>
-          <p:nvSpPr>
-            <p:cNvPr id="23" name="Rectangle 22"/>
-            <p:cNvSpPr/>
-            <p:nvPr/>
-          </p:nvSpPr>
-          <p:spPr>
-            <a:xfrm>
-              <a:off x="7113240" y="548679"/>
-              <a:ext cx="432048" cy="2160242"/>
-            </a:xfrm>
-            <a:prstGeom prst="rect">
-              <a:avLst/>
-            </a:prstGeom>
-            <a:noFill/>
-            <a:ln w="19050">
-              <a:solidFill>
-                <a:srgbClr val="C00000"/>
-              </a:solidFill>
-              <a:prstDash val="sysDash"/>
-            </a:ln>
-          </p:spPr>
-          <p:style>
-            <a:lnRef idx="2">
-              <a:schemeClr val="accent1">
-                <a:shade val="50000"/>
-              </a:schemeClr>
-            </a:lnRef>
-            <a:fillRef idx="1">
-              <a:schemeClr val="accent1"/>
-            </a:fillRef>
-            <a:effectRef idx="0">
-              <a:schemeClr val="accent1"/>
-            </a:effectRef>
-            <a:fontRef idx="minor">
-              <a:schemeClr val="lt1"/>
-            </a:fontRef>
-          </p:style>
-          <p:txBody>
-            <a:bodyPr rtlCol="0" anchor="ctr"/>
-            <a:lstStyle/>
-            <a:p>
-              <a:pPr algn="ctr"/>
-              <a:endParaRPr lang="fr-FR"/>
-            </a:p>
-          </p:txBody>
-        </p:sp>
-        <p:sp>
-          <p:nvSpPr>
-            <p:cNvPr id="24" name="ZoneTexte 23"/>
-            <p:cNvSpPr txBox="1"/>
-            <p:nvPr/>
-          </p:nvSpPr>
-          <p:spPr>
-            <a:xfrm rot="16200000">
-              <a:off x="6253614" y="1474913"/>
-              <a:ext cx="2160241" cy="307777"/>
-            </a:xfrm>
-            <a:prstGeom prst="rect">
-              <a:avLst/>
-            </a:prstGeom>
-            <a:noFill/>
-          </p:spPr>
-          <p:txBody>
-            <a:bodyPr wrap="square" rtlCol="0">
-              <a:spAutoFit/>
-            </a:bodyPr>
-            <a:lstStyle/>
-            <a:p>
-              <a:r>
-                <a:rPr lang="fr-FR" sz="1400" i="1" dirty="0" err="1"/>
-                <a:t>J</a:t>
-              </a:r>
-              <a:r>
-                <a:rPr lang="fr-FR" sz="1400" i="1" baseline="-25000" dirty="0" err="1"/>
-                <a:t>exp</a:t>
-              </a:r>
-              <a:r>
-                <a:rPr lang="fr-FR" sz="1400" i="1" dirty="0"/>
-                <a:t> = 9,4 10</a:t>
-              </a:r>
-              <a:r>
-                <a:rPr lang="fr-FR" sz="1400" i="1" baseline="30000" dirty="0"/>
-                <a:t>-3</a:t>
-              </a:r>
-              <a:r>
-                <a:rPr lang="fr-FR" sz="1400" i="1" dirty="0"/>
-                <a:t> kg.m² </a:t>
-              </a:r>
-            </a:p>
-          </p:txBody>
-        </p:sp>
-      </p:grpSp>
-      <p:sp>
-        <p:nvSpPr>
-          <p:cNvPr id="25" name="ZoneTexte 24"/>
-          <p:cNvSpPr txBox="1"/>
-          <p:nvPr/>
-        </p:nvSpPr>
-        <p:spPr>
-          <a:xfrm rot="16200000">
-            <a:off x="-786951" y="3675350"/>
-            <a:ext cx="1935830" cy="307777"/>
-          </a:xfrm>
-          <a:prstGeom prst="rect">
-            <a:avLst/>
-          </a:prstGeom>
-          <a:noFill/>
-        </p:spPr>
-        <p:txBody>
-          <a:bodyPr wrap="square" rtlCol="0">
-            <a:spAutoFit/>
-          </a:bodyPr>
-          <a:lstStyle/>
-          <a:p>
-            <a:pPr algn="ctr"/>
-            <a:r>
-              <a:rPr lang="fr-FR" sz="1400" b="1" dirty="0"/>
-              <a:t>Modélisation acausale</a:t>
-            </a:r>
-          </a:p>
-        </p:txBody>
-      </p:sp>
-      <p:sp>
-        <p:nvSpPr>
-          <p:cNvPr id="30" name="Rectangle 29"/>
-          <p:cNvSpPr/>
-          <p:nvPr/>
-        </p:nvSpPr>
-        <p:spPr>
-          <a:xfrm>
-            <a:off x="7108769" y="2861323"/>
-            <a:ext cx="432048" cy="1935832"/>
-          </a:xfrm>
-          <a:prstGeom prst="rect">
-            <a:avLst/>
-          </a:prstGeom>
-          <a:noFill/>
-          <a:ln w="19050">
-            <a:solidFill>
-              <a:srgbClr val="C00000"/>
-            </a:solidFill>
-            <a:prstDash val="sysDash"/>
-          </a:ln>
-        </p:spPr>
-        <p:style>
-          <a:lnRef idx="2">
-            <a:schemeClr val="accent1">
-              <a:shade val="50000"/>
-            </a:schemeClr>
-          </a:lnRef>
-          <a:fillRef idx="1">
-            <a:schemeClr val="accent1"/>
-          </a:fillRef>
-          <a:effectRef idx="0">
-            <a:schemeClr val="accent1"/>
-          </a:effectRef>
-          <a:fontRef idx="minor">
-            <a:schemeClr val="lt1"/>
-          </a:fontRef>
-        </p:style>
-        <p:txBody>
-          <a:bodyPr rtlCol="0" anchor="ctr"/>
-          <a:lstStyle/>
-          <a:p>
-            <a:pPr algn="ctr"/>
-            <a:endParaRPr lang="fr-FR"/>
-          </a:p>
-        </p:txBody>
-      </p:sp>
-      <p:sp>
-        <p:nvSpPr>
-          <p:cNvPr id="31" name="ZoneTexte 30"/>
-          <p:cNvSpPr txBox="1"/>
-          <p:nvPr/>
-        </p:nvSpPr>
-        <p:spPr>
-          <a:xfrm rot="16200000">
-            <a:off x="6361348" y="3644573"/>
-            <a:ext cx="1935832" cy="369332"/>
-          </a:xfrm>
-          <a:prstGeom prst="rect">
-            <a:avLst/>
-          </a:prstGeom>
-          <a:noFill/>
-        </p:spPr>
-        <p:txBody>
-          <a:bodyPr wrap="square" rtlCol="0">
-            <a:spAutoFit/>
-          </a:bodyPr>
-          <a:lstStyle/>
-          <a:p>
-            <a:r>
-              <a:rPr lang="fr-FR" i="1" dirty="0" err="1"/>
-              <a:t>J</a:t>
-            </a:r>
-            <a:r>
-              <a:rPr lang="fr-FR" i="1" baseline="-25000" dirty="0" err="1"/>
-              <a:t>sim</a:t>
-            </a:r>
-            <a:r>
-              <a:rPr lang="fr-FR" i="1" dirty="0"/>
-              <a:t> = </a:t>
-            </a:r>
-          </a:p>
-        </p:txBody>
-      </p:sp>
-      <p:pic>
-        <p:nvPicPr>
-          <p:cNvPr id="1026" name="Picture 2"/>
-          <p:cNvPicPr>
-            <a:picLocks noChangeAspect="1" noChangeArrowheads="1"/>
-          </p:cNvPicPr>
-          <p:nvPr/>
-        </p:nvPicPr>
-        <p:blipFill>
-          <a:blip r:embed="rId2" cstate="print">
-            <a:extLst>
-              <a:ext uri="{28A0092B-C50C-407E-A947-70E740481C1C}">
-                <a14:useLocalDpi xmlns:a14="http://schemas.microsoft.com/office/drawing/2010/main" val="0"/>
-              </a:ext>
-            </a:extLst>
-          </a:blip>
-          <a:srcRect/>
-          <a:stretch>
-            <a:fillRect/>
-          </a:stretch>
-        </p:blipFill>
-        <p:spPr bwMode="auto">
-          <a:xfrm>
-            <a:off x="437491" y="2976943"/>
-            <a:ext cx="3054354" cy="1632584"/>
-          </a:xfrm>
-          <a:prstGeom prst="rect">
-            <a:avLst/>
-          </a:prstGeom>
-          <a:noFill/>
-          <a:ln>
-            <a:noFill/>
-          </a:ln>
-          <a:effectLst/>
-          <a:extLst>
-            <a:ext uri="{909E8E84-426E-40DD-AFC4-6F175D3DCCD1}">
-              <a14:hiddenFill xmlns:a14="http://schemas.microsoft.com/office/drawing/2010/main">
-                <a:solidFill>
-                  <a:schemeClr val="accent1"/>
-                </a:solidFill>
-              </a14:hiddenFill>
-            </a:ext>
-            <a:ext uri="{91240B29-F687-4F45-9708-019B960494DF}">
-              <a14:hiddenLine xmlns:a14="http://schemas.microsoft.com/office/drawing/2010/main" w="9525">
-                <a:solidFill>
-                  <a:schemeClr val="tx1"/>
-                </a:solidFill>
-                <a:miter lim="800000"/>
-                <a:headEnd/>
-                <a:tailEnd/>
-              </a14:hiddenLine>
-            </a:ext>
-            <a:ext uri="{AF507438-7753-43E0-B8FC-AC1667EBCBE1}">
-              <a14:hiddenEffects xmlns:a14="http://schemas.microsoft.com/office/drawing/2010/main">
-                <a:effectLst>
-                  <a:outerShdw dist="35921" dir="2700000" algn="ctr" rotWithShape="0">
-                    <a:schemeClr val="bg2"/>
-                  </a:outerShdw>
-                </a:effectLst>
-              </a14:hiddenEffects>
-            </a:ext>
-          </a:extLst>
-        </p:spPr>
-      </p:pic>
-      <p:sp>
-        <p:nvSpPr>
-          <p:cNvPr id="33" name="Rectangle 32"/>
-          <p:cNvSpPr/>
-          <p:nvPr/>
-        </p:nvSpPr>
-        <p:spPr>
-          <a:xfrm>
-            <a:off x="3943650" y="2872420"/>
-            <a:ext cx="2881558" cy="1935832"/>
-          </a:xfrm>
-          <a:prstGeom prst="rect">
-            <a:avLst/>
-          </a:prstGeom>
-          <a:noFill/>
-          <a:ln w="19050">
-            <a:solidFill>
-              <a:schemeClr val="accent5">
-                <a:lumMod val="50000"/>
-              </a:schemeClr>
-            </a:solidFill>
-            <a:prstDash val="sysDash"/>
-          </a:ln>
-        </p:spPr>
-        <p:style>
-          <a:lnRef idx="2">
-            <a:schemeClr val="accent1">
-              <a:shade val="50000"/>
-            </a:schemeClr>
-          </a:lnRef>
-          <a:fillRef idx="1">
-            <a:schemeClr val="accent1"/>
-          </a:fillRef>
-          <a:effectRef idx="0">
-            <a:schemeClr val="accent1"/>
-          </a:effectRef>
-          <a:fontRef idx="minor">
-            <a:schemeClr val="lt1"/>
-          </a:fontRef>
-        </p:style>
-        <p:txBody>
-          <a:bodyPr rtlCol="0" anchor="ctr"/>
-          <a:lstStyle/>
-          <a:p>
-            <a:pPr algn="ctr"/>
-            <a:endParaRPr lang="fr-FR"/>
-          </a:p>
-        </p:txBody>
-      </p:sp>
-      <p:cxnSp>
-        <p:nvCxnSpPr>
-          <p:cNvPr id="34" name="Connecteur droit avec flèche 33"/>
-          <p:cNvCxnSpPr/>
-          <p:nvPr/>
-        </p:nvCxnSpPr>
-        <p:spPr>
-          <a:xfrm flipV="1">
-            <a:off x="4169296" y="3037151"/>
-            <a:ext cx="0" cy="1512168"/>
-          </a:xfrm>
-          <a:prstGeom prst="straightConnector1">
-            <a:avLst/>
-          </a:prstGeom>
-          <a:ln w="12700">
-            <a:solidFill>
-              <a:schemeClr val="accent5">
-                <a:lumMod val="50000"/>
-              </a:schemeClr>
-            </a:solidFill>
-            <a:tailEnd type="stealth" w="med" len="lg"/>
-          </a:ln>
-        </p:spPr>
-        <p:style>
-          <a:lnRef idx="1">
-            <a:schemeClr val="accent1"/>
-          </a:lnRef>
-          <a:fillRef idx="0">
-            <a:schemeClr val="accent1"/>
-          </a:fillRef>
-          <a:effectRef idx="0">
-            <a:schemeClr val="accent1"/>
-          </a:effectRef>
-          <a:fontRef idx="minor">
-            <a:schemeClr val="tx1"/>
-          </a:fontRef>
-        </p:style>
-      </p:cxnSp>
-      <p:cxnSp>
-        <p:nvCxnSpPr>
-          <p:cNvPr id="35" name="Connecteur droit avec flèche 34"/>
-          <p:cNvCxnSpPr/>
-          <p:nvPr/>
-        </p:nvCxnSpPr>
-        <p:spPr>
-          <a:xfrm>
-            <a:off x="4025280" y="3829239"/>
-            <a:ext cx="2376264" cy="0"/>
-          </a:xfrm>
-          <a:prstGeom prst="straightConnector1">
-            <a:avLst/>
-          </a:prstGeom>
-          <a:ln w="12700">
-            <a:solidFill>
-              <a:schemeClr val="accent5">
-                <a:lumMod val="50000"/>
-              </a:schemeClr>
-            </a:solidFill>
-            <a:tailEnd type="stealth" w="med" len="lg"/>
-          </a:ln>
-        </p:spPr>
-        <p:style>
-          <a:lnRef idx="1">
-            <a:schemeClr val="accent1"/>
-          </a:lnRef>
-          <a:fillRef idx="0">
-            <a:schemeClr val="accent1"/>
-          </a:fillRef>
-          <a:effectRef idx="0">
-            <a:schemeClr val="accent1"/>
-          </a:effectRef>
-          <a:fontRef idx="minor">
-            <a:schemeClr val="tx1"/>
-          </a:fontRef>
-        </p:style>
-      </p:cxnSp>
-      <p:sp>
-        <p:nvSpPr>
-          <p:cNvPr id="36" name="ZoneTexte 35"/>
-          <p:cNvSpPr txBox="1"/>
-          <p:nvPr/>
-        </p:nvSpPr>
-        <p:spPr>
-          <a:xfrm>
-            <a:off x="3953272" y="2914040"/>
-            <a:ext cx="2880320" cy="246221"/>
-          </a:xfrm>
-          <a:prstGeom prst="rect">
-            <a:avLst/>
-          </a:prstGeom>
-          <a:noFill/>
-        </p:spPr>
-        <p:txBody>
-          <a:bodyPr wrap="square" rtlCol="0">
-            <a:spAutoFit/>
-          </a:bodyPr>
-          <a:lstStyle/>
-          <a:p>
-            <a:pPr algn="ctr"/>
-            <a:r>
-              <a:rPr lang="fr-FR" sz="1000" i="1" dirty="0"/>
-              <a:t>Résultat de la modélisation</a:t>
-            </a:r>
-          </a:p>
-        </p:txBody>
-      </p:sp>
-      <p:sp>
-        <p:nvSpPr>
-          <p:cNvPr id="37" name="ZoneTexte 36"/>
-          <p:cNvSpPr txBox="1"/>
-          <p:nvPr/>
-        </p:nvSpPr>
-        <p:spPr>
-          <a:xfrm>
-            <a:off x="3953272" y="4077072"/>
-            <a:ext cx="2880320" cy="246221"/>
-          </a:xfrm>
-          <a:prstGeom prst="rect">
-            <a:avLst/>
-          </a:prstGeom>
-          <a:noFill/>
-        </p:spPr>
-        <p:txBody>
-          <a:bodyPr wrap="square" rtlCol="0">
-            <a:spAutoFit/>
-          </a:bodyPr>
-          <a:lstStyle/>
-          <a:p>
-            <a:pPr algn="ctr"/>
-            <a:r>
-              <a:rPr lang="fr-FR" sz="1000" i="1" dirty="0"/>
-              <a:t>Méthode pour identifier J</a:t>
-            </a:r>
-          </a:p>
-        </p:txBody>
-      </p:sp>
-      <p:sp>
-        <p:nvSpPr>
-          <p:cNvPr id="38" name="ZoneTexte 37"/>
-          <p:cNvSpPr txBox="1"/>
-          <p:nvPr/>
-        </p:nvSpPr>
-        <p:spPr>
-          <a:xfrm rot="16200000">
-            <a:off x="-776548" y="5705625"/>
-            <a:ext cx="1935830" cy="307777"/>
-          </a:xfrm>
-          <a:prstGeom prst="rect">
-            <a:avLst/>
-          </a:prstGeom>
-          <a:noFill/>
-        </p:spPr>
-        <p:txBody>
-          <a:bodyPr wrap="square" rtlCol="0">
-            <a:spAutoFit/>
-          </a:bodyPr>
-          <a:lstStyle/>
-          <a:p>
-            <a:pPr algn="ctr"/>
-            <a:r>
-              <a:rPr lang="fr-FR" sz="1400" b="1" dirty="0"/>
-              <a:t>Modélisation SW</a:t>
-            </a:r>
-          </a:p>
-        </p:txBody>
-      </p:sp>
-      <p:sp>
-        <p:nvSpPr>
-          <p:cNvPr id="39" name="Rectangle 38"/>
-          <p:cNvSpPr/>
-          <p:nvPr/>
-        </p:nvSpPr>
-        <p:spPr>
-          <a:xfrm>
-            <a:off x="416496" y="5013175"/>
-            <a:ext cx="3096344" cy="1584177"/>
-          </a:xfrm>
-          <a:prstGeom prst="rect">
-            <a:avLst/>
-          </a:prstGeom>
-          <a:noFill/>
-          <a:ln w="19050">
-            <a:solidFill>
-              <a:schemeClr val="accent5">
-                <a:lumMod val="50000"/>
-              </a:schemeClr>
-            </a:solidFill>
-            <a:prstDash val="sysDash"/>
-          </a:ln>
-        </p:spPr>
-        <p:style>
-          <a:lnRef idx="2">
-            <a:schemeClr val="accent1">
-              <a:shade val="50000"/>
-            </a:schemeClr>
-          </a:lnRef>
-          <a:fillRef idx="1">
-            <a:schemeClr val="accent1"/>
-          </a:fillRef>
-          <a:effectRef idx="0">
-            <a:schemeClr val="accent1"/>
-          </a:effectRef>
-          <a:fontRef idx="minor">
-            <a:schemeClr val="lt1"/>
-          </a:fontRef>
-        </p:style>
-        <p:txBody>
-          <a:bodyPr rtlCol="0" anchor="ctr"/>
-          <a:lstStyle/>
-          <a:p>
-            <a:pPr algn="ctr"/>
-            <a:endParaRPr lang="fr-FR"/>
-          </a:p>
-        </p:txBody>
-      </p:sp>
-      <p:sp>
-        <p:nvSpPr>
-          <p:cNvPr id="40" name="ZoneTexte 39"/>
-          <p:cNvSpPr txBox="1"/>
-          <p:nvPr/>
-        </p:nvSpPr>
-        <p:spPr>
-          <a:xfrm>
-            <a:off x="479851" y="5119604"/>
-            <a:ext cx="1935832" cy="400110"/>
-          </a:xfrm>
-          <a:prstGeom prst="rect">
-            <a:avLst/>
-          </a:prstGeom>
-          <a:noFill/>
-        </p:spPr>
-        <p:txBody>
-          <a:bodyPr wrap="square" rtlCol="0">
-            <a:spAutoFit/>
-          </a:bodyPr>
-          <a:lstStyle/>
-          <a:p>
-            <a:r>
-              <a:rPr lang="fr-FR" sz="2000" i="1" dirty="0" err="1"/>
-              <a:t>J</a:t>
-            </a:r>
-            <a:r>
-              <a:rPr lang="fr-FR" sz="2000" i="1" baseline="-25000" dirty="0" err="1"/>
-              <a:t>Huygens</a:t>
-            </a:r>
-            <a:r>
-              <a:rPr lang="fr-FR" sz="2000" i="1" dirty="0"/>
-              <a:t> = </a:t>
-            </a:r>
-          </a:p>
-        </p:txBody>
-      </p:sp>
-      <p:sp>
-        <p:nvSpPr>
-          <p:cNvPr id="42" name="ZoneTexte 41"/>
-          <p:cNvSpPr txBox="1"/>
-          <p:nvPr/>
-        </p:nvSpPr>
-        <p:spPr>
-          <a:xfrm>
-            <a:off x="479851" y="6093296"/>
-            <a:ext cx="2015423" cy="400110"/>
-          </a:xfrm>
-          <a:prstGeom prst="rect">
-            <a:avLst/>
-          </a:prstGeom>
-          <a:noFill/>
-        </p:spPr>
-        <p:txBody>
-          <a:bodyPr wrap="square" rtlCol="0">
-            <a:spAutoFit/>
-          </a:bodyPr>
-          <a:lstStyle/>
-          <a:p>
-            <a:r>
-              <a:rPr lang="fr-FR" sz="2000" i="1" dirty="0" err="1"/>
-              <a:t>J</a:t>
-            </a:r>
-            <a:r>
-              <a:rPr lang="fr-FR" sz="2000" i="1" baseline="-25000" dirty="0" err="1"/>
-              <a:t>SolidWorks</a:t>
-            </a:r>
-            <a:r>
-              <a:rPr lang="fr-FR" sz="2000" i="1" dirty="0"/>
-              <a:t> = </a:t>
-            </a:r>
-          </a:p>
-        </p:txBody>
-      </p:sp>
-      <p:sp>
-        <p:nvSpPr>
-          <p:cNvPr id="43" name="Rectangle 42"/>
-          <p:cNvSpPr/>
-          <p:nvPr/>
-        </p:nvSpPr>
-        <p:spPr>
-          <a:xfrm>
-            <a:off x="3943650" y="5013175"/>
-            <a:ext cx="2881558" cy="1584177"/>
-          </a:xfrm>
-          <a:prstGeom prst="rect">
-            <a:avLst/>
-          </a:prstGeom>
-          <a:noFill/>
-          <a:ln w="19050">
-            <a:solidFill>
-              <a:schemeClr val="accent5">
-                <a:lumMod val="50000"/>
-              </a:schemeClr>
-            </a:solidFill>
-            <a:prstDash val="sysDash"/>
-          </a:ln>
-        </p:spPr>
-        <p:style>
-          <a:lnRef idx="2">
-            <a:schemeClr val="accent1">
-              <a:shade val="50000"/>
-            </a:schemeClr>
-          </a:lnRef>
-          <a:fillRef idx="1">
-            <a:schemeClr val="accent1"/>
-          </a:fillRef>
-          <a:effectRef idx="0">
-            <a:schemeClr val="accent1"/>
-          </a:effectRef>
-          <a:fontRef idx="minor">
-            <a:schemeClr val="lt1"/>
-          </a:fontRef>
-        </p:style>
-        <p:txBody>
-          <a:bodyPr rtlCol="0" anchor="ctr"/>
-          <a:lstStyle/>
-          <a:p>
-            <a:pPr algn="ctr"/>
-            <a:endParaRPr lang="fr-FR"/>
-          </a:p>
-        </p:txBody>
-      </p:sp>
-      <p:sp>
-        <p:nvSpPr>
-          <p:cNvPr id="44" name="ZoneTexte 43"/>
-          <p:cNvSpPr txBox="1"/>
-          <p:nvPr/>
-        </p:nvSpPr>
-        <p:spPr>
-          <a:xfrm>
-            <a:off x="3943650" y="5032865"/>
-            <a:ext cx="2880320" cy="246221"/>
-          </a:xfrm>
-          <a:prstGeom prst="rect">
-            <a:avLst/>
-          </a:prstGeom>
-          <a:noFill/>
-        </p:spPr>
-        <p:txBody>
-          <a:bodyPr wrap="square" rtlCol="0">
-            <a:spAutoFit/>
-          </a:bodyPr>
-          <a:lstStyle/>
-          <a:p>
-            <a:pPr algn="ctr"/>
-            <a:r>
-              <a:rPr lang="fr-FR" sz="1000" i="1" dirty="0"/>
-              <a:t>Origines des écarts entre les deux inerties calculées</a:t>
-            </a:r>
-          </a:p>
-        </p:txBody>
-      </p:sp>
-      <p:sp>
-        <p:nvSpPr>
-          <p:cNvPr id="45" name="ZoneTexte 44"/>
-          <p:cNvSpPr txBox="1"/>
-          <p:nvPr/>
-        </p:nvSpPr>
-        <p:spPr>
-          <a:xfrm>
-            <a:off x="3934028" y="6279123"/>
-            <a:ext cx="2880320" cy="246221"/>
-          </a:xfrm>
-          <a:prstGeom prst="rect">
-            <a:avLst/>
-          </a:prstGeom>
-          <a:noFill/>
-        </p:spPr>
-        <p:txBody>
-          <a:bodyPr wrap="square" rtlCol="0">
-            <a:spAutoFit/>
-          </a:bodyPr>
-          <a:lstStyle/>
-          <a:p>
-            <a:r>
-              <a:rPr lang="fr-FR" sz="1000" i="1" dirty="0"/>
-              <a:t>Inertie retenue :</a:t>
-            </a:r>
-          </a:p>
-        </p:txBody>
-      </p:sp>
-      <p:grpSp>
-        <p:nvGrpSpPr>
-          <p:cNvPr id="47" name="Groupe 46"/>
-          <p:cNvGrpSpPr/>
-          <p:nvPr/>
-        </p:nvGrpSpPr>
-        <p:grpSpPr>
-          <a:xfrm>
-            <a:off x="7113240" y="5013174"/>
-            <a:ext cx="432048" cy="1584177"/>
-            <a:chOff x="7113240" y="548679"/>
-            <a:chExt cx="432048" cy="2160244"/>
-          </a:xfrm>
-        </p:grpSpPr>
-        <p:sp>
-          <p:nvSpPr>
-            <p:cNvPr id="48" name="Rectangle 47"/>
-            <p:cNvSpPr/>
-            <p:nvPr/>
-          </p:nvSpPr>
-          <p:spPr>
-            <a:xfrm>
-              <a:off x="7113240" y="548679"/>
-              <a:ext cx="432048" cy="2160242"/>
-            </a:xfrm>
-            <a:prstGeom prst="rect">
-              <a:avLst/>
-            </a:prstGeom>
-            <a:noFill/>
-            <a:ln w="19050">
-              <a:solidFill>
-                <a:srgbClr val="C00000"/>
-              </a:solidFill>
-              <a:prstDash val="sysDash"/>
-            </a:ln>
-          </p:spPr>
-          <p:style>
-            <a:lnRef idx="2">
-              <a:schemeClr val="accent1">
-                <a:shade val="50000"/>
-              </a:schemeClr>
-            </a:lnRef>
-            <a:fillRef idx="1">
-              <a:schemeClr val="accent1"/>
-            </a:fillRef>
-            <a:effectRef idx="0">
-              <a:schemeClr val="accent1"/>
-            </a:effectRef>
-            <a:fontRef idx="minor">
-              <a:schemeClr val="lt1"/>
-            </a:fontRef>
-          </p:style>
-          <p:txBody>
-            <a:bodyPr rtlCol="0" anchor="ctr"/>
-            <a:lstStyle/>
-            <a:p>
-              <a:pPr algn="ctr"/>
-              <a:endParaRPr lang="fr-FR"/>
-            </a:p>
-          </p:txBody>
-        </p:sp>
-        <p:sp>
-          <p:nvSpPr>
-            <p:cNvPr id="49" name="ZoneTexte 48"/>
-            <p:cNvSpPr txBox="1"/>
-            <p:nvPr/>
-          </p:nvSpPr>
-          <p:spPr>
-            <a:xfrm rot="16200000">
-              <a:off x="6253614" y="1444137"/>
-              <a:ext cx="2160241" cy="369332"/>
-            </a:xfrm>
-            <a:prstGeom prst="rect">
-              <a:avLst/>
-            </a:prstGeom>
-            <a:noFill/>
-          </p:spPr>
-          <p:txBody>
-            <a:bodyPr wrap="square" rtlCol="0">
-              <a:spAutoFit/>
-            </a:bodyPr>
-            <a:lstStyle/>
-            <a:p>
-              <a:r>
-                <a:rPr lang="fr-FR" i="1" dirty="0"/>
-                <a:t>J</a:t>
-              </a:r>
-              <a:r>
-                <a:rPr lang="fr-FR" i="1" baseline="-25000" dirty="0"/>
-                <a:t>SW</a:t>
-              </a:r>
-              <a:r>
-                <a:rPr lang="fr-FR" i="1" dirty="0"/>
-                <a:t> = </a:t>
-              </a:r>
-            </a:p>
-          </p:txBody>
-        </p:sp>
-      </p:grpSp>
-      <p:sp>
-        <p:nvSpPr>
-          <p:cNvPr id="55" name="Rectangle 54"/>
-          <p:cNvSpPr/>
-          <p:nvPr/>
-        </p:nvSpPr>
-        <p:spPr>
-          <a:xfrm>
-            <a:off x="7689304" y="548682"/>
-            <a:ext cx="1944216" cy="6048670"/>
-          </a:xfrm>
-          <a:prstGeom prst="rect">
-            <a:avLst/>
-          </a:prstGeom>
-          <a:noFill/>
-          <a:ln w="19050">
-            <a:solidFill>
-              <a:srgbClr val="C00000"/>
-            </a:solidFill>
-            <a:prstDash val="sysDash"/>
-          </a:ln>
-        </p:spPr>
-        <p:style>
-          <a:lnRef idx="2">
-            <a:schemeClr val="accent1">
-              <a:shade val="50000"/>
-            </a:schemeClr>
-          </a:lnRef>
-          <a:fillRef idx="1">
-            <a:schemeClr val="accent1"/>
-          </a:fillRef>
-          <a:effectRef idx="0">
-            <a:schemeClr val="accent1"/>
-          </a:effectRef>
-          <a:fontRef idx="minor">
-            <a:schemeClr val="lt1"/>
-          </a:fontRef>
-        </p:style>
-        <p:txBody>
-          <a:bodyPr rtlCol="0" anchor="ctr"/>
-          <a:lstStyle/>
-          <a:p>
-            <a:pPr algn="ctr"/>
-            <a:endParaRPr lang="fr-FR"/>
-          </a:p>
-        </p:txBody>
-      </p:sp>
-      <p:sp>
-        <p:nvSpPr>
-          <p:cNvPr id="57" name="ZoneTexte 56"/>
-          <p:cNvSpPr txBox="1"/>
-          <p:nvPr/>
-        </p:nvSpPr>
-        <p:spPr>
-          <a:xfrm>
-            <a:off x="7689304" y="548682"/>
-            <a:ext cx="1944216" cy="246221"/>
-          </a:xfrm>
-          <a:prstGeom prst="rect">
-            <a:avLst/>
-          </a:prstGeom>
-          <a:noFill/>
-        </p:spPr>
-        <p:txBody>
-          <a:bodyPr wrap="square" rtlCol="0">
-            <a:spAutoFit/>
-          </a:bodyPr>
-          <a:lstStyle/>
-          <a:p>
-            <a:pPr algn="ctr"/>
-            <a:r>
-              <a:rPr lang="fr-FR" sz="1000" i="1" dirty="0"/>
-              <a:t>Écarts </a:t>
-            </a:r>
-            <a:r>
-              <a:rPr lang="fr-FR" sz="1000" i="1" dirty="0" err="1"/>
-              <a:t>J</a:t>
-            </a:r>
-            <a:r>
-              <a:rPr lang="fr-FR" sz="1000" i="1" baseline="-25000" dirty="0" err="1"/>
-              <a:t>exp</a:t>
-            </a:r>
-            <a:r>
-              <a:rPr lang="fr-FR" sz="1000" i="1" dirty="0"/>
-              <a:t> – </a:t>
-            </a:r>
-            <a:r>
-              <a:rPr lang="fr-FR" sz="1000" i="1" dirty="0" err="1"/>
-              <a:t>J</a:t>
-            </a:r>
-            <a:r>
-              <a:rPr lang="fr-FR" sz="1000" i="1" baseline="-25000" dirty="0" err="1"/>
-              <a:t>sim</a:t>
-            </a:r>
-            <a:endParaRPr lang="fr-FR" sz="1000" i="1" baseline="-25000" dirty="0"/>
-          </a:p>
-        </p:txBody>
-      </p:sp>
-      <p:sp>
-        <p:nvSpPr>
-          <p:cNvPr id="58" name="ZoneTexte 57"/>
-          <p:cNvSpPr txBox="1"/>
-          <p:nvPr/>
-        </p:nvSpPr>
-        <p:spPr>
-          <a:xfrm>
-            <a:off x="7689304" y="1996984"/>
-            <a:ext cx="1944216" cy="246221"/>
-          </a:xfrm>
-          <a:prstGeom prst="rect">
-            <a:avLst/>
-          </a:prstGeom>
-          <a:noFill/>
-        </p:spPr>
-        <p:txBody>
-          <a:bodyPr wrap="square" rtlCol="0">
-            <a:spAutoFit/>
-          </a:bodyPr>
-          <a:lstStyle/>
-          <a:p>
-            <a:pPr algn="ctr"/>
-            <a:r>
-              <a:rPr lang="fr-FR" sz="1000" i="1" dirty="0"/>
-              <a:t>Écarts </a:t>
-            </a:r>
-            <a:r>
-              <a:rPr lang="fr-FR" sz="1000" i="1" dirty="0" err="1"/>
-              <a:t>J</a:t>
-            </a:r>
-            <a:r>
-              <a:rPr lang="fr-FR" sz="1000" i="1" baseline="-25000" dirty="0" err="1"/>
-              <a:t>exp</a:t>
-            </a:r>
-            <a:r>
-              <a:rPr lang="fr-FR" sz="1000" i="1" dirty="0"/>
-              <a:t> – J</a:t>
-            </a:r>
-            <a:r>
-              <a:rPr lang="fr-FR" sz="1000" i="1" baseline="-25000" dirty="0"/>
-              <a:t>SW</a:t>
-            </a:r>
-          </a:p>
-        </p:txBody>
-      </p:sp>
-      <p:sp>
-        <p:nvSpPr>
-          <p:cNvPr id="59" name="ZoneTexte 58"/>
-          <p:cNvSpPr txBox="1"/>
-          <p:nvPr/>
-        </p:nvSpPr>
-        <p:spPr>
-          <a:xfrm>
-            <a:off x="7689304" y="3445286"/>
-            <a:ext cx="1944216" cy="246221"/>
-          </a:xfrm>
-          <a:prstGeom prst="rect">
-            <a:avLst/>
-          </a:prstGeom>
-          <a:noFill/>
-        </p:spPr>
-        <p:txBody>
-          <a:bodyPr wrap="square" rtlCol="0">
-            <a:spAutoFit/>
-          </a:bodyPr>
-          <a:lstStyle/>
-          <a:p>
-            <a:pPr algn="ctr"/>
-            <a:r>
-              <a:rPr lang="fr-FR" sz="1000" i="1" dirty="0"/>
-              <a:t>Écarts J</a:t>
-            </a:r>
-            <a:r>
-              <a:rPr lang="fr-FR" sz="1000" i="1" baseline="-25000" dirty="0"/>
-              <a:t>SW</a:t>
-            </a:r>
-            <a:r>
-              <a:rPr lang="fr-FR" sz="1000" i="1" dirty="0"/>
-              <a:t> – </a:t>
-            </a:r>
-            <a:r>
-              <a:rPr lang="fr-FR" sz="1000" i="1" dirty="0" err="1"/>
-              <a:t>J</a:t>
-            </a:r>
-            <a:r>
-              <a:rPr lang="fr-FR" sz="1000" i="1" baseline="-25000" dirty="0" err="1"/>
-              <a:t>sim</a:t>
-            </a:r>
-            <a:endParaRPr lang="fr-FR" sz="1000" i="1" baseline="-25000" dirty="0"/>
-          </a:p>
-        </p:txBody>
-      </p:sp>
-      <p:sp>
-        <p:nvSpPr>
-          <p:cNvPr id="60" name="ZoneTexte 59"/>
-          <p:cNvSpPr txBox="1"/>
-          <p:nvPr/>
-        </p:nvSpPr>
-        <p:spPr>
-          <a:xfrm>
-            <a:off x="7689304" y="4893588"/>
-            <a:ext cx="1944216" cy="246221"/>
-          </a:xfrm>
-          <a:prstGeom prst="rect">
-            <a:avLst/>
-          </a:prstGeom>
-          <a:noFill/>
-        </p:spPr>
-        <p:txBody>
-          <a:bodyPr wrap="square" rtlCol="0">
-            <a:spAutoFit/>
-          </a:bodyPr>
-          <a:lstStyle/>
-          <a:p>
-            <a:pPr algn="ctr"/>
-            <a:r>
-              <a:rPr lang="fr-FR" sz="1000" i="1" dirty="0"/>
-              <a:t>Bilan</a:t>
-            </a:r>
-            <a:endParaRPr lang="fr-FR" sz="1000" i="1" baseline="-25000" dirty="0"/>
-          </a:p>
-        </p:txBody>
-      </p:sp>
-      <p:pic>
-        <p:nvPicPr>
-          <p:cNvPr id="2" name="Picture 2"/>
-          <p:cNvPicPr>
-            <a:picLocks noChangeAspect="1" noChangeArrowheads="1"/>
-          </p:cNvPicPr>
-          <p:nvPr/>
-        </p:nvPicPr>
-        <p:blipFill>
-          <a:blip r:embed="rId3" cstate="print">
-            <a:extLst>
-              <a:ext uri="{28A0092B-C50C-407E-A947-70E740481C1C}">
-                <a14:useLocalDpi xmlns:a14="http://schemas.microsoft.com/office/drawing/2010/main" val="0"/>
-              </a:ext>
-            </a:extLst>
-          </a:blip>
-          <a:srcRect/>
-          <a:stretch>
-            <a:fillRect/>
-          </a:stretch>
-        </p:blipFill>
-        <p:spPr bwMode="auto">
-          <a:xfrm>
-            <a:off x="4226591" y="781799"/>
-            <a:ext cx="1608854" cy="1405968"/>
-          </a:xfrm>
-          <a:prstGeom prst="rect">
-            <a:avLst/>
-          </a:prstGeom>
-          <a:noFill/>
-          <a:ln>
-            <a:noFill/>
-          </a:ln>
-          <a:extLst>
-            <a:ext uri="{909E8E84-426E-40DD-AFC4-6F175D3DCCD1}">
-              <a14:hiddenFill xmlns:a14="http://schemas.microsoft.com/office/drawing/2010/main">
-                <a:solidFill>
-                  <a:srgbClr val="FFFFFF"/>
-                </a:solidFill>
-              </a14:hiddenFill>
-            </a:ext>
-            <a:ext uri="{91240B29-F687-4F45-9708-019B960494DF}">
-              <a14:hiddenLine xmlns:a14="http://schemas.microsoft.com/office/drawing/2010/main" w="9525">
-                <a:solidFill>
-                  <a:srgbClr val="000000"/>
-                </a:solidFill>
-                <a:miter lim="800000"/>
-                <a:headEnd/>
-                <a:tailEnd/>
-              </a14:hiddenLine>
-            </a:ext>
-          </a:extLst>
-        </p:spPr>
-      </p:pic>
-      <p:pic>
-        <p:nvPicPr>
-          <p:cNvPr id="1029" name="Picture 5"/>
-          <p:cNvPicPr>
-            <a:picLocks noChangeAspect="1" noChangeArrowheads="1"/>
-          </p:cNvPicPr>
-          <p:nvPr/>
-        </p:nvPicPr>
-        <p:blipFill>
-          <a:blip r:embed="rId4" cstate="print">
-            <a:extLst>
-              <a:ext uri="{28A0092B-C50C-407E-A947-70E740481C1C}">
-                <a14:useLocalDpi xmlns:a14="http://schemas.microsoft.com/office/drawing/2010/main" val="0"/>
-              </a:ext>
-            </a:extLst>
-          </a:blip>
-          <a:srcRect/>
-          <a:stretch>
-            <a:fillRect/>
-          </a:stretch>
-        </p:blipFill>
-        <p:spPr bwMode="auto">
-          <a:xfrm>
-            <a:off x="480921" y="843858"/>
-            <a:ext cx="1140929" cy="1281851"/>
-          </a:xfrm>
-          <a:prstGeom prst="rect">
-            <a:avLst/>
-          </a:prstGeom>
-          <a:noFill/>
-          <a:extLst>
-            <a:ext uri="{909E8E84-426E-40DD-AFC4-6F175D3DCCD1}">
-              <a14:hiddenFill xmlns:a14="http://schemas.microsoft.com/office/drawing/2010/main">
-                <a:solidFill>
-                  <a:srgbClr val="FFFFFF"/>
-                </a:solidFill>
-              </a14:hiddenFill>
-            </a:ext>
-          </a:extLst>
-        </p:spPr>
-      </p:pic>
-      <p:pic>
-        <p:nvPicPr>
-          <p:cNvPr id="1049" name="Picture 25"/>
-          <p:cNvPicPr>
-            <a:picLocks noChangeAspect="1" noChangeArrowheads="1"/>
-          </p:cNvPicPr>
-          <p:nvPr/>
-        </p:nvPicPr>
-        <p:blipFill rotWithShape="1">
-          <a:blip r:embed="rId5" cstate="print">
-            <a:extLst>
-              <a:ext uri="{28A0092B-C50C-407E-A947-70E740481C1C}">
-                <a14:useLocalDpi xmlns:a14="http://schemas.microsoft.com/office/drawing/2010/main" val="0"/>
-              </a:ext>
-            </a:extLst>
-          </a:blip>
-          <a:srcRect r="58504"/>
-          <a:stretch/>
-        </p:blipFill>
-        <p:spPr bwMode="auto">
-          <a:xfrm>
-            <a:off x="1784648" y="577423"/>
-            <a:ext cx="1628924" cy="1885617"/>
-          </a:xfrm>
-          <a:prstGeom prst="rect">
-            <a:avLst/>
-          </a:prstGeom>
-          <a:noFill/>
-          <a:extLst>
-            <a:ext uri="{909E8E84-426E-40DD-AFC4-6F175D3DCCD1}">
-              <a14:hiddenFill xmlns:a14="http://schemas.microsoft.com/office/drawing/2010/main">
-                <a:solidFill>
-                  <a:srgbClr val="FFFFFF"/>
-                </a:solidFill>
-              </a14:hiddenFill>
-            </a:ext>
-          </a:extLst>
-        </p:spPr>
-      </p:pic>
-      <p:sp>
-        <p:nvSpPr>
-          <p:cNvPr id="26" name="Rectangle 25"/>
-          <p:cNvSpPr/>
-          <p:nvPr/>
-        </p:nvSpPr>
-        <p:spPr>
-          <a:xfrm>
-            <a:off x="416496" y="2861323"/>
-            <a:ext cx="3096344" cy="1935832"/>
-          </a:xfrm>
-          <a:prstGeom prst="rect">
-            <a:avLst/>
-          </a:prstGeom>
-          <a:noFill/>
-          <a:ln w="19050">
-            <a:solidFill>
-              <a:schemeClr val="accent5">
-                <a:lumMod val="50000"/>
-              </a:schemeClr>
-            </a:solidFill>
-            <a:prstDash val="sysDash"/>
-          </a:ln>
-        </p:spPr>
-        <p:style>
-          <a:lnRef idx="2">
-            <a:schemeClr val="accent1">
-              <a:shade val="50000"/>
-            </a:schemeClr>
-          </a:lnRef>
-          <a:fillRef idx="1">
-            <a:schemeClr val="accent1"/>
-          </a:fillRef>
-          <a:effectRef idx="0">
-            <a:schemeClr val="accent1"/>
-          </a:effectRef>
-          <a:fontRef idx="minor">
-            <a:schemeClr val="lt1"/>
-          </a:fontRef>
-        </p:style>
-        <p:txBody>
-          <a:bodyPr rtlCol="0" anchor="ctr"/>
-          <a:lstStyle/>
-          <a:p>
-            <a:pPr algn="ctr"/>
-            <a:endParaRPr lang="fr-FR"/>
-          </a:p>
-        </p:txBody>
-      </p:sp>
-      <p:pic>
-        <p:nvPicPr>
-          <p:cNvPr id="4" name="Picture 2"/>
-          <p:cNvPicPr>
-            <a:picLocks noChangeAspect="1" noChangeArrowheads="1"/>
-          </p:cNvPicPr>
-          <p:nvPr/>
-        </p:nvPicPr>
-        <p:blipFill>
-          <a:blip r:embed="rId6" cstate="print">
-            <a:extLst>
-              <a:ext uri="{28A0092B-C50C-407E-A947-70E740481C1C}">
-                <a14:useLocalDpi xmlns:a14="http://schemas.microsoft.com/office/drawing/2010/main" val="0"/>
-              </a:ext>
-            </a:extLst>
-          </a:blip>
-          <a:srcRect/>
-          <a:stretch>
-            <a:fillRect/>
-          </a:stretch>
-        </p:blipFill>
-        <p:spPr bwMode="auto">
-          <a:xfrm>
-            <a:off x="4900328" y="3141593"/>
-            <a:ext cx="986208" cy="848306"/>
-          </a:xfrm>
-          <a:prstGeom prst="rect">
-            <a:avLst/>
-          </a:prstGeom>
-          <a:noFill/>
-          <a:ln>
-            <a:noFill/>
-          </a:ln>
-          <a:extLst>
-            <a:ext uri="{909E8E84-426E-40DD-AFC4-6F175D3DCCD1}">
-              <a14:hiddenFill xmlns:a14="http://schemas.microsoft.com/office/drawing/2010/main">
-                <a:solidFill>
-                  <a:srgbClr val="FFFFFF"/>
-                </a:solidFill>
-              </a14:hiddenFill>
-            </a:ext>
-            <a:ext uri="{91240B29-F687-4F45-9708-019B960494DF}">
-              <a14:hiddenLine xmlns:a14="http://schemas.microsoft.com/office/drawing/2010/main" w="9525">
-                <a:solidFill>
-                  <a:srgbClr val="000000"/>
-                </a:solidFill>
-                <a:miter lim="800000"/>
-                <a:headEnd/>
-                <a:tailEnd/>
-              </a14:hiddenLine>
-            </a:ext>
-          </a:extLst>
-        </p:spPr>
-      </p:pic>
-    </p:spTree>
-    <p:extLst>
-      <p:ext uri="{BB962C8B-B14F-4D97-AF65-F5344CB8AC3E}">
-        <p14:creationId xmlns:p14="http://schemas.microsoft.com/office/powerpoint/2010/main" val="4133791433"/>
-      </p:ext>
-    </p:extLst>
-  </p:cSld>
-  <p:clrMapOvr>
-    <a:masterClrMapping/>
-  </p:clrMapOvr>
-</p:sld>
-</file>
-
 <file path=ppt/theme/theme1.xml><?xml version="1.0" encoding="utf-8"?>
 <a:theme xmlns:a="http://schemas.openxmlformats.org/drawingml/2006/main" name="Thème Office">
   <a:themeElements>
